--- a/docs/diagrams/SDforAddTask.pptx
+++ b/docs/diagrams/SDforAddTask.pptx
@@ -104,6 +104,11 @@
       </a:defRPr>
     </a:lvl9pPr>
   </p:defaultTextStyle>
+  <p:extLst>
+    <p:ext uri="{EFAFB233-063F-42B5-8137-9DF3F51BA10A}">
+      <p15:sldGuideLst xmlns:p15="http://schemas.microsoft.com/office/powerpoint/2012/main"/>
+    </p:ext>
+  </p:extLst>
 </p:presentation>
 </file>
 
@@ -256,7 +261,7 @@
           <a:p>
             <a:fld id="{DEDB5558-8EA2-480E-8619-A84C4D1F7CB8}" type="datetimeFigureOut">
               <a:rPr lang="en-IN" smtClean="0"/>
-              <a:t>10-04-2018</a:t>
+              <a:t>15-04-2018</a:t>
             </a:fld>
             <a:endParaRPr lang="en-IN"/>
           </a:p>
@@ -456,7 +461,7 @@
           <a:p>
             <a:fld id="{DEDB5558-8EA2-480E-8619-A84C4D1F7CB8}" type="datetimeFigureOut">
               <a:rPr lang="en-IN" smtClean="0"/>
-              <a:t>10-04-2018</a:t>
+              <a:t>15-04-2018</a:t>
             </a:fld>
             <a:endParaRPr lang="en-IN"/>
           </a:p>
@@ -666,7 +671,7 @@
           <a:p>
             <a:fld id="{DEDB5558-8EA2-480E-8619-A84C4D1F7CB8}" type="datetimeFigureOut">
               <a:rPr lang="en-IN" smtClean="0"/>
-              <a:t>10-04-2018</a:t>
+              <a:t>15-04-2018</a:t>
             </a:fld>
             <a:endParaRPr lang="en-IN"/>
           </a:p>
@@ -866,7 +871,7 @@
           <a:p>
             <a:fld id="{DEDB5558-8EA2-480E-8619-A84C4D1F7CB8}" type="datetimeFigureOut">
               <a:rPr lang="en-IN" smtClean="0"/>
-              <a:t>10-04-2018</a:t>
+              <a:t>15-04-2018</a:t>
             </a:fld>
             <a:endParaRPr lang="en-IN"/>
           </a:p>
@@ -1142,7 +1147,7 @@
           <a:p>
             <a:fld id="{DEDB5558-8EA2-480E-8619-A84C4D1F7CB8}" type="datetimeFigureOut">
               <a:rPr lang="en-IN" smtClean="0"/>
-              <a:t>10-04-2018</a:t>
+              <a:t>15-04-2018</a:t>
             </a:fld>
             <a:endParaRPr lang="en-IN"/>
           </a:p>
@@ -1410,7 +1415,7 @@
           <a:p>
             <a:fld id="{DEDB5558-8EA2-480E-8619-A84C4D1F7CB8}" type="datetimeFigureOut">
               <a:rPr lang="en-IN" smtClean="0"/>
-              <a:t>10-04-2018</a:t>
+              <a:t>15-04-2018</a:t>
             </a:fld>
             <a:endParaRPr lang="en-IN"/>
           </a:p>
@@ -1825,7 +1830,7 @@
           <a:p>
             <a:fld id="{DEDB5558-8EA2-480E-8619-A84C4D1F7CB8}" type="datetimeFigureOut">
               <a:rPr lang="en-IN" smtClean="0"/>
-              <a:t>10-04-2018</a:t>
+              <a:t>15-04-2018</a:t>
             </a:fld>
             <a:endParaRPr lang="en-IN"/>
           </a:p>
@@ -1967,7 +1972,7 @@
           <a:p>
             <a:fld id="{DEDB5558-8EA2-480E-8619-A84C4D1F7CB8}" type="datetimeFigureOut">
               <a:rPr lang="en-IN" smtClean="0"/>
-              <a:t>10-04-2018</a:t>
+              <a:t>15-04-2018</a:t>
             </a:fld>
             <a:endParaRPr lang="en-IN"/>
           </a:p>
@@ -2080,7 +2085,7 @@
           <a:p>
             <a:fld id="{DEDB5558-8EA2-480E-8619-A84C4D1F7CB8}" type="datetimeFigureOut">
               <a:rPr lang="en-IN" smtClean="0"/>
-              <a:t>10-04-2018</a:t>
+              <a:t>15-04-2018</a:t>
             </a:fld>
             <a:endParaRPr lang="en-IN"/>
           </a:p>
@@ -2393,7 +2398,7 @@
           <a:p>
             <a:fld id="{DEDB5558-8EA2-480E-8619-A84C4D1F7CB8}" type="datetimeFigureOut">
               <a:rPr lang="en-IN" smtClean="0"/>
-              <a:t>10-04-2018</a:t>
+              <a:t>15-04-2018</a:t>
             </a:fld>
             <a:endParaRPr lang="en-IN"/>
           </a:p>
@@ -2682,7 +2687,7 @@
           <a:p>
             <a:fld id="{DEDB5558-8EA2-480E-8619-A84C4D1F7CB8}" type="datetimeFigureOut">
               <a:rPr lang="en-IN" smtClean="0"/>
-              <a:t>10-04-2018</a:t>
+              <a:t>15-04-2018</a:t>
             </a:fld>
             <a:endParaRPr lang="en-IN"/>
           </a:p>
@@ -2925,7 +2930,7 @@
           <a:p>
             <a:fld id="{DEDB5558-8EA2-480E-8619-A84C4D1F7CB8}" type="datetimeFigureOut">
               <a:rPr lang="en-IN" smtClean="0"/>
-              <a:t>10-04-2018</a:t>
+              <a:t>15-04-2018</a:t>
             </a:fld>
             <a:endParaRPr lang="en-IN"/>
           </a:p>
@@ -4358,8 +4363,8 @@
         </p:nvSpPr>
         <p:spPr>
           <a:xfrm>
-            <a:off x="6372969" y="1687656"/>
-            <a:ext cx="2438400" cy="215444"/>
+            <a:off x="8286949" y="1345880"/>
+            <a:ext cx="1899342" cy="430887"/>
           </a:xfrm>
           <a:prstGeom prst="rect">
             <a:avLst/>
@@ -4378,7 +4383,7 @@
                   <a:srgbClr val="DA7B1C"/>
                 </a:solidFill>
               </a:rPr>
-              <a:t>indicateClubBookChanged</a:t>
+              <a:t>handleClubBookChangedEvent</a:t>
             </a:r>
             <a:r>
               <a:rPr lang="en-US" sz="1400" dirty="0">
@@ -4537,7 +4542,7 @@
         </p:nvSpPr>
         <p:spPr>
           <a:xfrm>
-            <a:off x="7696200" y="591251"/>
+            <a:off x="9521706" y="605408"/>
             <a:ext cx="1371600" cy="346760"/>
           </a:xfrm>
           <a:prstGeom prst="rect">
@@ -4600,7 +4605,7 @@
         </p:nvCxnSpPr>
         <p:spPr>
           <a:xfrm>
-            <a:off x="8616802" y="944305"/>
+            <a:off x="10207506" y="968468"/>
             <a:ext cx="0" cy="1723059"/>
           </a:xfrm>
           <a:prstGeom prst="line">
@@ -4643,8 +4648,8 @@
         </p:nvSpPr>
         <p:spPr>
           <a:xfrm>
-            <a:off x="8544794" y="1903100"/>
-            <a:ext cx="142006" cy="234889"/>
+            <a:off x="10134493" y="1694968"/>
+            <a:ext cx="144016" cy="310422"/>
           </a:xfrm>
           <a:prstGeom prst="rect">
             <a:avLst/>
@@ -4693,13 +4698,15 @@
               </a:ext>
             </a:extLst>
           </p:cNvPr>
-          <p:cNvCxnSpPr/>
+          <p:cNvCxnSpPr>
+            <a:cxnSpLocks/>
+          </p:cNvCxnSpPr>
           <p:nvPr/>
         </p:nvCxnSpPr>
         <p:spPr>
           <a:xfrm>
-            <a:off x="5943992" y="1961202"/>
-            <a:ext cx="2568438" cy="0"/>
+            <a:off x="7721798" y="1783292"/>
+            <a:ext cx="2412695" cy="0"/>
           </a:xfrm>
           <a:prstGeom prst="straightConnector1">
             <a:avLst/>
@@ -4735,13 +4742,15 @@
               </a:ext>
             </a:extLst>
           </p:cNvPr>
-          <p:cNvCxnSpPr/>
+          <p:cNvCxnSpPr>
+            <a:cxnSpLocks/>
+          </p:cNvCxnSpPr>
           <p:nvPr/>
         </p:nvCxnSpPr>
         <p:spPr>
           <a:xfrm>
-            <a:off x="5943992" y="2094029"/>
-            <a:ext cx="2549946" cy="0"/>
+            <a:off x="7721798" y="1966484"/>
+            <a:ext cx="2362977" cy="0"/>
           </a:xfrm>
           <a:prstGeom prst="straightConnector1">
             <a:avLst/>
@@ -4813,6 +4822,580 @@
           </a:fontRef>
         </p:style>
       </p:cxnSp>
+      <p:sp>
+        <p:nvSpPr>
+          <p:cNvPr id="34" name="Rectangle 62">
+            <a:extLst>
+              <a:ext uri="{FF2B5EF4-FFF2-40B4-BE49-F238E27FC236}">
+                <a16:creationId xmlns:a16="http://schemas.microsoft.com/office/drawing/2014/main" id="{12301121-4C42-40F4-8D89-88A105949776}"/>
+              </a:ext>
+            </a:extLst>
+          </p:cNvPr>
+          <p:cNvSpPr/>
+          <p:nvPr/>
+        </p:nvSpPr>
+        <p:spPr>
+          <a:xfrm>
+            <a:off x="7092802" y="607284"/>
+            <a:ext cx="1093635" cy="346760"/>
+          </a:xfrm>
+          <a:prstGeom prst="rect">
+            <a:avLst/>
+          </a:prstGeom>
+          <a:solidFill>
+            <a:srgbClr val="298D97"/>
+          </a:solidFill>
+          <a:ln w="19050">
+            <a:solidFill>
+              <a:srgbClr val="298D97"/>
+            </a:solidFill>
+          </a:ln>
+          <a:effectLst/>
+        </p:spPr>
+        <p:style>
+          <a:lnRef idx="1">
+            <a:schemeClr val="accent2"/>
+          </a:lnRef>
+          <a:fillRef idx="2">
+            <a:schemeClr val="accent2"/>
+          </a:fillRef>
+          <a:effectRef idx="1">
+            <a:schemeClr val="accent2"/>
+          </a:effectRef>
+          <a:fontRef idx="minor">
+            <a:schemeClr val="dk1"/>
+          </a:fontRef>
+        </p:style>
+        <p:txBody>
+          <a:bodyPr rtlCol="0" anchor="ctr"/>
+          <a:lstStyle/>
+          <a:p>
+            <a:pPr algn="ctr"/>
+            <a:r>
+              <a:rPr lang="en-US" sz="1200" dirty="0">
+                <a:solidFill>
+                  <a:schemeClr val="bg1"/>
+                </a:solidFill>
+              </a:rPr>
+              <a:t>:</a:t>
+            </a:r>
+            <a:r>
+              <a:rPr lang="en-US" sz="1200" dirty="0" err="1">
+                <a:solidFill>
+                  <a:schemeClr val="bg1"/>
+                </a:solidFill>
+              </a:rPr>
+              <a:t>EventsCenter</a:t>
+            </a:r>
+            <a:endParaRPr lang="en-SG" sz="1200" dirty="0">
+              <a:solidFill>
+                <a:schemeClr val="bg1"/>
+              </a:solidFill>
+            </a:endParaRPr>
+          </a:p>
+        </p:txBody>
+      </p:sp>
+      <p:cxnSp>
+        <p:nvCxnSpPr>
+          <p:cNvPr id="35" name="Straight Connector 34">
+            <a:extLst>
+              <a:ext uri="{FF2B5EF4-FFF2-40B4-BE49-F238E27FC236}">
+                <a16:creationId xmlns:a16="http://schemas.microsoft.com/office/drawing/2014/main" id="{099B1A34-5836-435F-832C-C4BA0D15F24C}"/>
+              </a:ext>
+            </a:extLst>
+          </p:cNvPr>
+          <p:cNvCxnSpPr/>
+          <p:nvPr/>
+        </p:nvCxnSpPr>
+        <p:spPr>
+          <a:xfrm>
+            <a:off x="7639137" y="980093"/>
+            <a:ext cx="0" cy="1723059"/>
+          </a:xfrm>
+          <a:prstGeom prst="line">
+            <a:avLst/>
+          </a:prstGeom>
+          <a:ln w="19050">
+            <a:solidFill>
+              <a:srgbClr val="0070C0"/>
+            </a:solidFill>
+            <a:prstDash val="sysDash"/>
+          </a:ln>
+          <a:effectLst/>
+        </p:spPr>
+        <p:style>
+          <a:lnRef idx="1">
+            <a:schemeClr val="accent1"/>
+          </a:lnRef>
+          <a:fillRef idx="2">
+            <a:schemeClr val="accent1"/>
+          </a:fillRef>
+          <a:effectRef idx="1">
+            <a:schemeClr val="accent1"/>
+          </a:effectRef>
+          <a:fontRef idx="minor">
+            <a:schemeClr val="dk1"/>
+          </a:fontRef>
+        </p:style>
+      </p:cxnSp>
+      <p:sp>
+        <p:nvSpPr>
+          <p:cNvPr id="36" name="Rectangle 35">
+            <a:extLst>
+              <a:ext uri="{FF2B5EF4-FFF2-40B4-BE49-F238E27FC236}">
+                <a16:creationId xmlns:a16="http://schemas.microsoft.com/office/drawing/2014/main" id="{B0E08CA0-E842-4C08-A63D-9A57EF5BB1FF}"/>
+              </a:ext>
+            </a:extLst>
+          </p:cNvPr>
+          <p:cNvSpPr/>
+          <p:nvPr/>
+        </p:nvSpPr>
+        <p:spPr>
+          <a:xfrm>
+            <a:off x="7567129" y="1619417"/>
+            <a:ext cx="144016" cy="403557"/>
+          </a:xfrm>
+          <a:prstGeom prst="rect">
+            <a:avLst/>
+          </a:prstGeom>
+          <a:solidFill>
+            <a:srgbClr val="298D97"/>
+          </a:solidFill>
+          <a:ln>
+            <a:solidFill>
+              <a:srgbClr val="0070C0"/>
+            </a:solidFill>
+          </a:ln>
+          <a:effectLst/>
+        </p:spPr>
+        <p:style>
+          <a:lnRef idx="1">
+            <a:schemeClr val="accent3"/>
+          </a:lnRef>
+          <a:fillRef idx="2">
+            <a:schemeClr val="accent3"/>
+          </a:fillRef>
+          <a:effectRef idx="1">
+            <a:schemeClr val="accent3"/>
+          </a:effectRef>
+          <a:fontRef idx="minor">
+            <a:schemeClr val="dk1"/>
+          </a:fontRef>
+        </p:style>
+        <p:txBody>
+          <a:bodyPr rtlCol="0" anchor="ctr"/>
+          <a:lstStyle/>
+          <a:p>
+            <a:pPr algn="ctr"/>
+            <a:endParaRPr lang="en-SG" sz="1400">
+              <a:solidFill>
+                <a:schemeClr val="dk1"/>
+              </a:solidFill>
+            </a:endParaRPr>
+          </a:p>
+        </p:txBody>
+      </p:sp>
+      <p:cxnSp>
+        <p:nvCxnSpPr>
+          <p:cNvPr id="38" name="Straight Arrow Connector 37">
+            <a:extLst>
+              <a:ext uri="{FF2B5EF4-FFF2-40B4-BE49-F238E27FC236}">
+                <a16:creationId xmlns:a16="http://schemas.microsoft.com/office/drawing/2014/main" id="{151F1E68-378A-4AB8-A128-76C3B669BC4A}"/>
+              </a:ext>
+            </a:extLst>
+          </p:cNvPr>
+          <p:cNvCxnSpPr>
+            <a:cxnSpLocks/>
+          </p:cNvCxnSpPr>
+          <p:nvPr/>
+        </p:nvCxnSpPr>
+        <p:spPr>
+          <a:xfrm>
+            <a:off x="5933598" y="1645745"/>
+            <a:ext cx="1633531" cy="0"/>
+          </a:xfrm>
+          <a:prstGeom prst="straightConnector1">
+            <a:avLst/>
+          </a:prstGeom>
+          <a:ln w="19050">
+            <a:solidFill>
+              <a:srgbClr val="298D97"/>
+            </a:solidFill>
+            <a:tailEnd type="arrow"/>
+          </a:ln>
+        </p:spPr>
+        <p:style>
+          <a:lnRef idx="1">
+            <a:schemeClr val="accent1"/>
+          </a:lnRef>
+          <a:fillRef idx="0">
+            <a:schemeClr val="accent1"/>
+          </a:fillRef>
+          <a:effectRef idx="0">
+            <a:schemeClr val="accent1"/>
+          </a:effectRef>
+          <a:fontRef idx="minor">
+            <a:schemeClr val="tx1"/>
+          </a:fontRef>
+        </p:style>
+      </p:cxnSp>
+      <p:cxnSp>
+        <p:nvCxnSpPr>
+          <p:cNvPr id="41" name="Straight Arrow Connector 40">
+            <a:extLst>
+              <a:ext uri="{FF2B5EF4-FFF2-40B4-BE49-F238E27FC236}">
+                <a16:creationId xmlns:a16="http://schemas.microsoft.com/office/drawing/2014/main" id="{B73BF598-9243-4B75-A333-134388BF2FC8}"/>
+              </a:ext>
+            </a:extLst>
+          </p:cNvPr>
+          <p:cNvCxnSpPr>
+            <a:cxnSpLocks/>
+          </p:cNvCxnSpPr>
+          <p:nvPr/>
+        </p:nvCxnSpPr>
+        <p:spPr>
+          <a:xfrm>
+            <a:off x="5933598" y="2022974"/>
+            <a:ext cx="1596785" cy="0"/>
+          </a:xfrm>
+          <a:prstGeom prst="straightConnector1">
+            <a:avLst/>
+          </a:prstGeom>
+          <a:ln w="19050">
+            <a:solidFill>
+              <a:srgbClr val="298D97"/>
+            </a:solidFill>
+            <a:prstDash val="sysDash"/>
+            <a:headEnd type="arrow" w="med" len="med"/>
+            <a:tailEnd type="none" w="med" len="med"/>
+          </a:ln>
+        </p:spPr>
+        <p:style>
+          <a:lnRef idx="1">
+            <a:schemeClr val="accent1"/>
+          </a:lnRef>
+          <a:fillRef idx="0">
+            <a:schemeClr val="accent1"/>
+          </a:fillRef>
+          <a:effectRef idx="0">
+            <a:schemeClr val="accent1"/>
+          </a:effectRef>
+          <a:fontRef idx="minor">
+            <a:schemeClr val="tx1"/>
+          </a:fontRef>
+        </p:style>
+      </p:cxnSp>
+      <p:sp>
+        <p:nvSpPr>
+          <p:cNvPr id="44" name="TextBox 43">
+            <a:extLst>
+              <a:ext uri="{FF2B5EF4-FFF2-40B4-BE49-F238E27FC236}">
+                <a16:creationId xmlns:a16="http://schemas.microsoft.com/office/drawing/2014/main" id="{14B1CD34-6CB4-49B4-B817-D4D3ACFA3A78}"/>
+              </a:ext>
+            </a:extLst>
+          </p:cNvPr>
+          <p:cNvSpPr txBox="1"/>
+          <p:nvPr/>
+        </p:nvSpPr>
+        <p:spPr>
+          <a:xfrm>
+            <a:off x="6329933" y="1205614"/>
+            <a:ext cx="1219200" cy="430887"/>
+          </a:xfrm>
+          <a:prstGeom prst="rect">
+            <a:avLst/>
+          </a:prstGeom>
+          <a:noFill/>
+        </p:spPr>
+        <p:txBody>
+          <a:bodyPr wrap="square" lIns="0" tIns="0" rIns="0" bIns="0" rtlCol="0">
+            <a:spAutoFit/>
+          </a:bodyPr>
+          <a:lstStyle/>
+          <a:p>
+            <a:r>
+              <a:rPr lang="en-US" sz="1400" dirty="0">
+                <a:solidFill>
+                  <a:srgbClr val="298D97"/>
+                </a:solidFill>
+              </a:rPr>
+              <a:t>post(</a:t>
+            </a:r>
+            <a:r>
+              <a:rPr lang="en-US" sz="1400" dirty="0" err="1">
+                <a:solidFill>
+                  <a:srgbClr val="298D97"/>
+                </a:solidFill>
+              </a:rPr>
+              <a:t>ClubBook</a:t>
+            </a:r>
+            <a:endParaRPr lang="en-US" sz="1400" dirty="0">
+              <a:solidFill>
+                <a:srgbClr val="298D97"/>
+              </a:solidFill>
+            </a:endParaRPr>
+          </a:p>
+          <a:p>
+            <a:r>
+              <a:rPr lang="en-US" sz="1400" dirty="0" err="1">
+                <a:solidFill>
+                  <a:srgbClr val="298D97"/>
+                </a:solidFill>
+              </a:rPr>
+              <a:t>ChangedEvent</a:t>
+            </a:r>
+            <a:r>
+              <a:rPr lang="en-US" sz="1400" dirty="0">
+                <a:solidFill>
+                  <a:srgbClr val="298D97"/>
+                </a:solidFill>
+              </a:rPr>
+              <a:t>)</a:t>
+            </a:r>
+          </a:p>
+        </p:txBody>
+      </p:sp>
+      <p:sp>
+        <p:nvSpPr>
+          <p:cNvPr id="45" name="Rectangle 44">
+            <a:extLst>
+              <a:ext uri="{FF2B5EF4-FFF2-40B4-BE49-F238E27FC236}">
+                <a16:creationId xmlns:a16="http://schemas.microsoft.com/office/drawing/2014/main" id="{482CD734-1283-4B0B-A754-8FC4DD9D129A}"/>
+              </a:ext>
+            </a:extLst>
+          </p:cNvPr>
+          <p:cNvSpPr/>
+          <p:nvPr/>
+        </p:nvSpPr>
+        <p:spPr>
+          <a:xfrm>
+            <a:off x="10269012" y="1757801"/>
+            <a:ext cx="80498" cy="189639"/>
+          </a:xfrm>
+          <a:prstGeom prst="rect">
+            <a:avLst/>
+          </a:prstGeom>
+          <a:solidFill>
+            <a:srgbClr val="DA7B1C"/>
+          </a:solidFill>
+          <a:ln>
+            <a:noFill/>
+          </a:ln>
+          <a:effectLst/>
+        </p:spPr>
+        <p:style>
+          <a:lnRef idx="1">
+            <a:schemeClr val="accent3"/>
+          </a:lnRef>
+          <a:fillRef idx="2">
+            <a:schemeClr val="accent3"/>
+          </a:fillRef>
+          <a:effectRef idx="1">
+            <a:schemeClr val="accent3"/>
+          </a:effectRef>
+          <a:fontRef idx="minor">
+            <a:schemeClr val="dk1"/>
+          </a:fontRef>
+        </p:style>
+        <p:txBody>
+          <a:bodyPr rtlCol="0" anchor="ctr"/>
+          <a:lstStyle/>
+          <a:p>
+            <a:pPr algn="ctr"/>
+            <a:endParaRPr lang="en-SG" sz="1400">
+              <a:solidFill>
+                <a:schemeClr val="dk1"/>
+              </a:solidFill>
+            </a:endParaRPr>
+          </a:p>
+        </p:txBody>
+      </p:sp>
+      <p:grpSp>
+        <p:nvGrpSpPr>
+          <p:cNvPr id="67" name="Group 66">
+            <a:extLst>
+              <a:ext uri="{FF2B5EF4-FFF2-40B4-BE49-F238E27FC236}">
+                <a16:creationId xmlns:a16="http://schemas.microsoft.com/office/drawing/2014/main" id="{D867868A-ED82-4B6A-A308-5A3CD05BA2DB}"/>
+              </a:ext>
+            </a:extLst>
+          </p:cNvPr>
+          <p:cNvGrpSpPr/>
+          <p:nvPr/>
+        </p:nvGrpSpPr>
+        <p:grpSpPr>
+          <a:xfrm>
+            <a:off x="10276735" y="1739672"/>
+            <a:ext cx="239125" cy="139064"/>
+            <a:chOff x="10276735" y="1739672"/>
+            <a:chExt cx="239125" cy="139064"/>
+          </a:xfrm>
+        </p:grpSpPr>
+        <p:cxnSp>
+          <p:nvCxnSpPr>
+            <p:cNvPr id="57" name="Straight Connector 56">
+              <a:extLst>
+                <a:ext uri="{FF2B5EF4-FFF2-40B4-BE49-F238E27FC236}">
+                  <a16:creationId xmlns:a16="http://schemas.microsoft.com/office/drawing/2014/main" id="{AD6AC8CE-6736-4354-81F1-93F752845094}"/>
+                </a:ext>
+              </a:extLst>
+            </p:cNvPr>
+            <p:cNvCxnSpPr>
+              <a:cxnSpLocks/>
+            </p:cNvCxnSpPr>
+            <p:nvPr/>
+          </p:nvCxnSpPr>
+          <p:spPr>
+            <a:xfrm>
+              <a:off x="10276735" y="1739672"/>
+              <a:ext cx="239125" cy="0"/>
+            </a:xfrm>
+            <a:prstGeom prst="line">
+              <a:avLst/>
+            </a:prstGeom>
+            <a:ln/>
+          </p:spPr>
+          <p:style>
+            <a:lnRef idx="1">
+              <a:schemeClr val="accent2"/>
+            </a:lnRef>
+            <a:fillRef idx="0">
+              <a:schemeClr val="accent2"/>
+            </a:fillRef>
+            <a:effectRef idx="0">
+              <a:schemeClr val="accent2"/>
+            </a:effectRef>
+            <a:fontRef idx="minor">
+              <a:schemeClr val="tx1"/>
+            </a:fontRef>
+          </p:style>
+        </p:cxnSp>
+        <p:cxnSp>
+          <p:nvCxnSpPr>
+            <p:cNvPr id="58" name="Straight Connector 57">
+              <a:extLst>
+                <a:ext uri="{FF2B5EF4-FFF2-40B4-BE49-F238E27FC236}">
+                  <a16:creationId xmlns:a16="http://schemas.microsoft.com/office/drawing/2014/main" id="{FBB6E5FA-9A90-4798-84F2-17CBA615FA2F}"/>
+                </a:ext>
+              </a:extLst>
+            </p:cNvPr>
+            <p:cNvCxnSpPr>
+              <a:cxnSpLocks/>
+            </p:cNvCxnSpPr>
+            <p:nvPr/>
+          </p:nvCxnSpPr>
+          <p:spPr>
+            <a:xfrm>
+              <a:off x="10515860" y="1739672"/>
+              <a:ext cx="0" cy="131736"/>
+            </a:xfrm>
+            <a:prstGeom prst="line">
+              <a:avLst/>
+            </a:prstGeom>
+          </p:spPr>
+          <p:style>
+            <a:lnRef idx="1">
+              <a:schemeClr val="accent2"/>
+            </a:lnRef>
+            <a:fillRef idx="0">
+              <a:schemeClr val="accent2"/>
+            </a:fillRef>
+            <a:effectRef idx="0">
+              <a:schemeClr val="accent2"/>
+            </a:effectRef>
+            <a:fontRef idx="minor">
+              <a:schemeClr val="tx1"/>
+            </a:fontRef>
+          </p:style>
+        </p:cxnSp>
+        <p:cxnSp>
+          <p:nvCxnSpPr>
+            <p:cNvPr id="62" name="Straight Arrow Connector 61">
+              <a:extLst>
+                <a:ext uri="{FF2B5EF4-FFF2-40B4-BE49-F238E27FC236}">
+                  <a16:creationId xmlns:a16="http://schemas.microsoft.com/office/drawing/2014/main" id="{F83F9928-1FFE-4BD0-AE88-256037429A1E}"/>
+                </a:ext>
+              </a:extLst>
+            </p:cNvPr>
+            <p:cNvCxnSpPr/>
+            <p:nvPr/>
+          </p:nvCxnSpPr>
+          <p:spPr>
+            <a:xfrm flipH="1">
+              <a:off x="10340014" y="1878736"/>
+              <a:ext cx="175846" cy="0"/>
+            </a:xfrm>
+            <a:prstGeom prst="straightConnector1">
+              <a:avLst/>
+            </a:prstGeom>
+            <a:ln>
+              <a:tailEnd type="triangle"/>
+            </a:ln>
+          </p:spPr>
+          <p:style>
+            <a:lnRef idx="1">
+              <a:schemeClr val="accent2"/>
+            </a:lnRef>
+            <a:fillRef idx="0">
+              <a:schemeClr val="accent2"/>
+            </a:fillRef>
+            <a:effectRef idx="0">
+              <a:schemeClr val="accent2"/>
+            </a:effectRef>
+            <a:fontRef idx="minor">
+              <a:schemeClr val="tx1"/>
+            </a:fontRef>
+          </p:style>
+        </p:cxnSp>
+      </p:grpSp>
+      <p:sp>
+        <p:nvSpPr>
+          <p:cNvPr id="68" name="TextBox 67">
+            <a:extLst>
+              <a:ext uri="{FF2B5EF4-FFF2-40B4-BE49-F238E27FC236}">
+                <a16:creationId xmlns:a16="http://schemas.microsoft.com/office/drawing/2014/main" id="{A7372A69-DCCC-4959-9399-0DC4C0E030D8}"/>
+              </a:ext>
+            </a:extLst>
+          </p:cNvPr>
+          <p:cNvSpPr txBox="1"/>
+          <p:nvPr/>
+        </p:nvSpPr>
+        <p:spPr>
+          <a:xfrm>
+            <a:off x="10565217" y="1592087"/>
+            <a:ext cx="535002" cy="430887"/>
+          </a:xfrm>
+          <a:prstGeom prst="rect">
+            <a:avLst/>
+          </a:prstGeom>
+          <a:noFill/>
+        </p:spPr>
+        <p:txBody>
+          <a:bodyPr wrap="square" lIns="0" tIns="0" rIns="0" bIns="0" rtlCol="0">
+            <a:spAutoFit/>
+          </a:bodyPr>
+          <a:lstStyle/>
+          <a:p>
+            <a:r>
+              <a:rPr lang="en-US" sz="1400" dirty="0">
+                <a:solidFill>
+                  <a:srgbClr val="DA7B1C"/>
+                </a:solidFill>
+              </a:rPr>
+              <a:t>Save </a:t>
+            </a:r>
+          </a:p>
+          <a:p>
+            <a:r>
+              <a:rPr lang="en-US" sz="1400" dirty="0">
+                <a:solidFill>
+                  <a:srgbClr val="DA7B1C"/>
+                </a:solidFill>
+              </a:rPr>
+              <a:t>To File</a:t>
+            </a:r>
+          </a:p>
+        </p:txBody>
+      </p:sp>
     </p:spTree>
     <p:extLst>
       <p:ext uri="{BB962C8B-B14F-4D97-AF65-F5344CB8AC3E}">
